--- a/Blind_Investment_Teaser.pptx
+++ b/Blind_Investment_Teaser.pptx
@@ -3129,7 +3129,13 @@
           <a:p>
             <a:pPr lvl="1"/>
             <a:r>
-              <a:t>Target Company is a leading manufacturer of innovative products in the Industrial Equipment sector</a:t>
+              <a:t>Target Company is a leading provider of innovative solutions in the agriculture industry.</a:t>
+            </a:r>
+          </a:p>
+          <a:p>
+            <a:pPr lvl="1"/>
+            <a:r>
+              <a:t>The company has a strong presence in 15 countries across Asia and Latin America.</a:t>
             </a:r>
           </a:p>
         </p:txBody>
@@ -3191,7 +3197,13 @@
           <a:p>
             <a:pPr lvl="1"/>
             <a:r>
-              <a:t>Revenues have grown at an annual rate of 15% over the past 3 years, with operating margins expanding by 8% during this period</a:t>
+              <a:t>Target Company has achieved significant growth in its revenue over the past 5 years.</a:t>
+            </a:r>
+          </a:p>
+          <a:p>
+            <a:pPr lvl="1"/>
+            <a:r>
+              <a:t>The company's manufacturing capacity has been expanded to support increased demand.</a:t>
             </a:r>
           </a:p>
         </p:txBody>
@@ -3253,7 +3265,13 @@
           <a:p>
             <a:pPr lvl="1"/>
             <a:r>
-              <a:t>Target Company's industrial equipment products are used in diverse end markets across North America and Europe</a:t>
+              <a:t>Target Company has established a strong market position in its core product segments.</a:t>
+            </a:r>
+          </a:p>
+          <a:p>
+            <a:pPr lvl="1"/>
+            <a:r>
+              <a:t>The company's innovative solutions have received positive feedback from customers and partners.</a:t>
             </a:r>
           </a:p>
         </p:txBody>
